--- a/DS_presentation.pptx
+++ b/DS_presentation.pptx
@@ -4,6 +4,9 @@
   <p:sldMasterIdLst>
     <p:sldMasterId id="2147483648" r:id="rId1"/>
   </p:sldMasterIdLst>
+  <p:notesMasterIdLst>
+    <p:notesMasterId r:id="rId12"/>
+  </p:notesMasterIdLst>
   <p:sldIdLst>
     <p:sldId id="256" r:id="rId2"/>
     <p:sldId id="257" r:id="rId3"/>
@@ -16,10 +19,7 @@
     <p:sldId id="264" r:id="rId10"/>
     <p:sldId id="265" r:id="rId11"/>
   </p:sldIdLst>
-  <p:notesMasterIdLst>
-    <p:notesMasterId r:id="rId12"/>
-  </p:notesMasterIdLst>
-  <p:sldSz cx="9144000" cy="5143500"/>
+  <p:sldSz cx="9144000" cy="5143500" type="screen16x9"/>
   <p:notesSz cx="5143500" cy="9144000"/>
   <p:defaultTextStyle>
     <a:lvl1pPr marL="0" algn="l" defTabSz="914400" rtl="0" eaLnBrk="1" latinLnBrk="0" hangingPunct="1">
@@ -113,6 +113,11 @@
       </a:defRPr>
     </a:lvl9pPr>
   </p:defaultTextStyle>
+  <p:extLst>
+    <p:ext uri="{EFAFB233-063F-42B5-8137-9DF3F51BA10A}">
+      <p15:sldGuideLst xmlns:p15="http://schemas.microsoft.com/office/powerpoint/2012/main"/>
+    </p:ext>
+  </p:extLst>
 </p:presentation>
 </file>
 
@@ -138,234 +143,10 @@
           <a:chExt cx="0" cy="0"/>
         </a:xfrm>
       </p:grpSpPr>
-      <p:sp>
-        <p:nvSpPr>
-          <p:cNvPr id="2" name="Header Placeholder 1"/>
-          <p:cNvSpPr>
-            <a:spLocks noGrp="1"/>
-          </p:cNvSpPr>
-          <p:nvPr>
-            <p:ph type="hdr" sz="quarter"/>
-          </p:nvPr>
-        </p:nvSpPr>
-        <p:spPr>
-          <a:xfrm>
-            <a:off x="0" y="0"/>
-            <a:ext cx="2971800" cy="458788"/>
-          </a:xfrm>
-          <a:prstGeom prst="rect">
-            <a:avLst/>
-          </a:prstGeom>
-        </p:spPr>
-        <p:txBody>
-          <a:bodyPr vert="horz" lIns="91440" tIns="45720" rIns="91440" bIns="45720" rtlCol="0"/>
-          <a:lstStyle>
-            <a:lvl1pPr algn="l">
-              <a:defRPr sz="1200"/>
-            </a:lvl1pPr>
-          </a:lstStyle>
-          <a:p>
-            <a:endParaRPr lang="en-US"/>
-          </a:p>
-        </p:txBody>
-      </p:sp>
-      <p:sp>
-        <p:nvSpPr>
-          <p:cNvPr id="3" name="Date Placeholder 2"/>
-          <p:cNvSpPr>
-            <a:spLocks noGrp="1"/>
-          </p:cNvSpPr>
-          <p:nvPr>
-            <p:ph type="dt" idx="1"/>
-          </p:nvPr>
-        </p:nvSpPr>
-        <p:spPr>
-          <a:xfrm>
-            <a:off x="3884613" y="0"/>
-            <a:ext cx="2971800" cy="458788"/>
-          </a:xfrm>
-          <a:prstGeom prst="rect">
-            <a:avLst/>
-          </a:prstGeom>
-        </p:spPr>
-        <p:txBody>
-          <a:bodyPr vert="horz" lIns="91440" tIns="45720" rIns="91440" bIns="45720" rtlCol="0"/>
-          <a:lstStyle>
-            <a:lvl1pPr algn="r">
-              <a:defRPr sz="1200"/>
-            </a:lvl1pPr>
-          </a:lstStyle>
-          <a:p>
-            <a:fld id="{5282F153-3F37-0F45-9E97-73ACFA13230C}" type="datetimeFigureOut">
-              <a:rPr lang="en-US"/>
-              <a:t>7/23/19</a:t>
-            </a:fld>
-            <a:endParaRPr lang="en-US"/>
-          </a:p>
-        </p:txBody>
-      </p:sp>
-      <p:sp>
-        <p:nvSpPr>
-          <p:cNvPr id="4" name="Slide Image Placeholder 3"/>
-          <p:cNvSpPr>
-            <a:spLocks noGrp="1" noRot="1" noChangeAspect="1"/>
-          </p:cNvSpPr>
-          <p:nvPr>
-            <p:ph type="sldImg" idx="2"/>
-          </p:nvPr>
-        </p:nvSpPr>
-        <p:spPr>
-          <a:xfrm>
-            <a:off x="685800" y="1143000"/>
-            <a:ext cx="5486400" cy="3086100"/>
-          </a:xfrm>
-          <a:prstGeom prst="rect">
-            <a:avLst/>
-          </a:prstGeom>
-          <a:noFill/>
-          <a:ln w="12700">
-            <a:solidFill>
-              <a:prstClr val="black"/>
-            </a:solidFill>
-          </a:ln>
-        </p:spPr>
-        <p:txBody>
-          <a:bodyPr vert="horz" lIns="91440" tIns="45720" rIns="91440" bIns="45720" rtlCol="0" anchor="ctr"/>
-          <a:lstStyle/>
-          <a:p>
-            <a:endParaRPr lang="en-US"/>
-          </a:p>
-        </p:txBody>
-      </p:sp>
-      <p:sp>
-        <p:nvSpPr>
-          <p:cNvPr id="5" name="Notes Placeholder 4"/>
-          <p:cNvSpPr>
-            <a:spLocks noGrp="1"/>
-          </p:cNvSpPr>
-          <p:nvPr>
-            <p:ph type="body" sz="quarter" idx="3"/>
-          </p:nvPr>
-        </p:nvSpPr>
-        <p:spPr>
-          <a:xfrm>
-            <a:off x="685800" y="4400550"/>
-            <a:ext cx="5486400" cy="3600450"/>
-          </a:xfrm>
-          <a:prstGeom prst="rect">
-            <a:avLst/>
-          </a:prstGeom>
-        </p:spPr>
-        <p:txBody>
-          <a:bodyPr vert="horz" lIns="91440" tIns="45720" rIns="91440" bIns="45720" rtlCol="0"/>
-          <a:lstStyle/>
-          <a:p>
-            <a:pPr lvl="0"/>
-            <a:r>
-              <a:rPr lang="en-US"/>
-              <a:t>Click to edit Master text styles</a:t>
-            </a:r>
-          </a:p>
-          <a:p>
-            <a:pPr lvl="1"/>
-            <a:r>
-              <a:rPr lang="en-US"/>
-              <a:t>Second level</a:t>
-            </a:r>
-          </a:p>
-          <a:p>
-            <a:pPr lvl="2"/>
-            <a:r>
-              <a:rPr lang="en-US"/>
-              <a:t>Third level</a:t>
-            </a:r>
-          </a:p>
-          <a:p>
-            <a:pPr lvl="3"/>
-            <a:r>
-              <a:rPr lang="en-US"/>
-              <a:t>Fourth level</a:t>
-            </a:r>
-          </a:p>
-          <a:p>
-            <a:pPr lvl="4"/>
-            <a:r>
-              <a:rPr lang="en-US"/>
-              <a:t>Fifth level</a:t>
-            </a:r>
-          </a:p>
-        </p:txBody>
-      </p:sp>
-      <p:sp>
-        <p:nvSpPr>
-          <p:cNvPr id="6" name="Footer Placeholder 5"/>
-          <p:cNvSpPr>
-            <a:spLocks noGrp="1"/>
-          </p:cNvSpPr>
-          <p:nvPr>
-            <p:ph type="ftr" sz="quarter" idx="4"/>
-          </p:nvPr>
-        </p:nvSpPr>
-        <p:spPr>
-          <a:xfrm>
-            <a:off x="0" y="8685213"/>
-            <a:ext cx="2971800" cy="458787"/>
-          </a:xfrm>
-          <a:prstGeom prst="rect">
-            <a:avLst/>
-          </a:prstGeom>
-        </p:spPr>
-        <p:txBody>
-          <a:bodyPr vert="horz" lIns="91440" tIns="45720" rIns="91440" bIns="45720" rtlCol="0" anchor="b"/>
-          <a:lstStyle>
-            <a:lvl1pPr algn="l">
-              <a:defRPr sz="1200"/>
-            </a:lvl1pPr>
-          </a:lstStyle>
-          <a:p>
-            <a:endParaRPr lang="en-US"/>
-          </a:p>
-        </p:txBody>
-      </p:sp>
-      <p:sp>
-        <p:nvSpPr>
-          <p:cNvPr id="7" name="Slide Number Placeholder 6"/>
-          <p:cNvSpPr>
-            <a:spLocks noGrp="1"/>
-          </p:cNvSpPr>
-          <p:nvPr>
-            <p:ph type="sldNum" sz="quarter" idx="5"/>
-          </p:nvPr>
-        </p:nvSpPr>
-        <p:spPr>
-          <a:xfrm>
-            <a:off x="3884613" y="8685213"/>
-            <a:ext cx="2971800" cy="458787"/>
-          </a:xfrm>
-          <a:prstGeom prst="rect">
-            <a:avLst/>
-          </a:prstGeom>
-        </p:spPr>
-        <p:txBody>
-          <a:bodyPr vert="horz" lIns="91440" tIns="45720" rIns="91440" bIns="45720" rtlCol="0" anchor="b"/>
-          <a:lstStyle>
-            <a:lvl1pPr algn="r">
-              <a:defRPr sz="1200"/>
-            </a:lvl1pPr>
-          </a:lstStyle>
-          <a:p>
-            <a:fld id="{CE5E9CC1-C706-0F49-92D6-E571CC5EEA8F}" type="slidenum">
-              <a:rPr lang="en-US"/>
-              <a:t>‹#›</a:t>
-            </a:fld>
-            <a:endParaRPr lang="en-US"/>
-          </a:p>
-        </p:txBody>
-      </p:sp>
     </p:spTree>
     <p:extLst>
       <p:ext uri="{BB962C8B-B14F-4D97-AF65-F5344CB8AC3E}">
-        <p14:creationId xmlns:p14="http://schemas.microsoft.com/office/powerpoint/2010/main" val="1024086991"/>
+        <p14:creationId xmlns:p14="http://schemas.microsoft.com/office/powerpoint/2010/main" val="319442563"/>
       </p:ext>
     </p:extLst>
   </p:cSld>
@@ -509,10 +290,6 @@
           <a:bodyPr/>
           <a:lstStyle/>
           <a:p>
-            <a:r>
-              <a:rPr lang="en-US" dirty="0"/>
-              <a:t/>
-            </a:r>
             <a:endParaRPr lang="en-US" dirty="0"/>
           </a:p>
         </p:txBody>
@@ -597,10 +374,6 @@
           <a:bodyPr/>
           <a:lstStyle/>
           <a:p>
-            <a:r>
-              <a:rPr lang="en-US" dirty="0"/>
-              <a:t/>
-            </a:r>
             <a:endParaRPr lang="en-US" dirty="0"/>
           </a:p>
         </p:txBody>
@@ -685,10 +458,6 @@
           <a:bodyPr/>
           <a:lstStyle/>
           <a:p>
-            <a:r>
-              <a:rPr lang="en-US" dirty="0"/>
-              <a:t/>
-            </a:r>
             <a:endParaRPr lang="en-US" dirty="0"/>
           </a:p>
         </p:txBody>
@@ -773,10 +542,6 @@
           <a:bodyPr/>
           <a:lstStyle/>
           <a:p>
-            <a:r>
-              <a:rPr lang="en-US" dirty="0"/>
-              <a:t/>
-            </a:r>
             <a:endParaRPr lang="en-US" dirty="0"/>
           </a:p>
         </p:txBody>
@@ -861,10 +626,6 @@
           <a:bodyPr/>
           <a:lstStyle/>
           <a:p>
-            <a:r>
-              <a:rPr lang="en-US" dirty="0"/>
-              <a:t/>
-            </a:r>
             <a:endParaRPr lang="en-US" dirty="0"/>
           </a:p>
         </p:txBody>
@@ -949,10 +710,6 @@
           <a:bodyPr/>
           <a:lstStyle/>
           <a:p>
-            <a:r>
-              <a:rPr lang="en-US" dirty="0"/>
-              <a:t/>
-            </a:r>
             <a:endParaRPr lang="en-US" dirty="0"/>
           </a:p>
         </p:txBody>
@@ -1037,10 +794,6 @@
           <a:bodyPr/>
           <a:lstStyle/>
           <a:p>
-            <a:r>
-              <a:rPr lang="en-US" dirty="0"/>
-              <a:t/>
-            </a:r>
             <a:endParaRPr lang="en-US" dirty="0"/>
           </a:p>
         </p:txBody>
@@ -1125,10 +878,6 @@
           <a:bodyPr/>
           <a:lstStyle/>
           <a:p>
-            <a:r>
-              <a:rPr lang="en-US" dirty="0"/>
-              <a:t/>
-            </a:r>
             <a:endParaRPr lang="en-US" dirty="0"/>
           </a:p>
         </p:txBody>
@@ -1213,10 +962,6 @@
           <a:bodyPr/>
           <a:lstStyle/>
           <a:p>
-            <a:r>
-              <a:rPr lang="en-US" dirty="0"/>
-              <a:t/>
-            </a:r>
             <a:endParaRPr lang="en-US" dirty="0"/>
           </a:p>
         </p:txBody>
@@ -1301,10 +1046,6 @@
           <a:bodyPr/>
           <a:lstStyle/>
           <a:p>
-            <a:r>
-              <a:rPr lang="en-US" dirty="0"/>
-              <a:t/>
-            </a:r>
             <a:endParaRPr lang="en-US" dirty="0"/>
           </a:p>
         </p:txBody>
@@ -1378,6 +1119,11 @@
 <file path=ppt/slideMasters/slideMaster1.xml><?xml version="1.0" encoding="utf-8"?>
 <p:sldMaster xmlns:a="http://schemas.openxmlformats.org/drawingml/2006/main" xmlns:r="http://schemas.openxmlformats.org/officeDocument/2006/relationships" xmlns:p="http://schemas.openxmlformats.org/presentationml/2006/main">
   <p:cSld>
+    <p:bg>
+      <p:bgRef idx="1001">
+        <a:schemeClr val="bg1"/>
+      </p:bgRef>
+    </p:bg>
     <p:spTree>
       <p:nvGrpSpPr>
         <p:cNvPr id="1" name=""/>
@@ -1658,7 +1404,7 @@
     <p:bg>
       <p:bgPr>
         <a:blipFill dpi="0" rotWithShape="1">
-          <a:blip r:embed="rId1">
+          <a:blip r:embed="rId3">
             <a:lum/>
           </a:blip>
           <a:srcRect/>
@@ -1710,7 +1456,7 @@
           </a:bodyPr>
           <a:lstStyle/>
           <a:p>
-            <a:pPr indent="0" marL="0">
+            <a:pPr marL="0" indent="0">
               <a:buNone/>
             </a:pPr>
             <a:endParaRPr lang="en-US" dirty="0"/>
@@ -1738,7 +1484,7 @@
           <a:bodyPr wrap="square" lIns="0" tIns="0" rIns="0" bIns="0" rtlCol="0" anchor="t"/>
           <a:lstStyle/>
           <a:p>
-            <a:pPr algn="ctr" indent="0" marL="0">
+            <a:pPr marL="0" indent="0" algn="ctr">
               <a:lnSpc>
                 <a:spcPts val="7200"/>
               </a:lnSpc>
@@ -1780,7 +1526,7 @@
           <a:bodyPr wrap="square" lIns="0" tIns="0" rIns="0" bIns="0" rtlCol="0" anchor="t"/>
           <a:lstStyle/>
           <a:p>
-            <a:pPr algn="ctr" indent="0" marL="0">
+            <a:pPr marL="0" indent="0" algn="ctr">
               <a:lnSpc>
                 <a:spcPts val="3360"/>
               </a:lnSpc>
@@ -1822,7 +1568,7 @@
           <a:bodyPr wrap="square" lIns="0" tIns="0" rIns="0" bIns="0" rtlCol="0" anchor="t"/>
           <a:lstStyle/>
           <a:p>
-            <a:pPr algn="ctr" indent="0" marL="0">
+            <a:pPr marL="0" indent="0" algn="ctr">
               <a:lnSpc>
                 <a:spcPts val="1960"/>
               </a:lnSpc>
@@ -1857,7 +1603,7 @@
     <p:bg>
       <p:bgPr>
         <a:blipFill dpi="0" rotWithShape="1">
-          <a:blip r:embed="rId1">
+          <a:blip r:embed="rId3">
             <a:lum/>
           </a:blip>
           <a:srcRect/>
@@ -1909,7 +1655,7 @@
           </a:bodyPr>
           <a:lstStyle/>
           <a:p>
-            <a:pPr indent="0" marL="0">
+            <a:pPr marL="0" indent="0">
               <a:buNone/>
             </a:pPr>
             <a:endParaRPr lang="en-US" dirty="0"/>
@@ -1937,7 +1683,7 @@
           <a:bodyPr wrap="square" lIns="0" tIns="0" rIns="0" bIns="0" rtlCol="0" anchor="t"/>
           <a:lstStyle/>
           <a:p>
-            <a:pPr indent="0" marL="0">
+            <a:pPr marL="0" indent="0">
               <a:lnSpc>
                 <a:spcPts val="4320"/>
               </a:lnSpc>
@@ -1997,12 +1743,6 @@
               </a:rPr>
               <a:t>Genre Distribution Chart:</a:t>
             </a:r>
-            <a:pPr indent="0" marL="0">
-              <a:lnSpc>
-                <a:spcPts val="3240"/>
-              </a:lnSpc>
-              <a:buNone/>
-            </a:pPr>
             <a:r>
               <a:rPr lang="en-US" sz="1350" dirty="0">
                 <a:solidFill>
@@ -2035,12 +1775,6 @@
               </a:rPr>
               <a:t>Budget vs Revenue Scatter:</a:t>
             </a:r>
-            <a:pPr indent="0" marL="0">
-              <a:lnSpc>
-                <a:spcPts val="3240"/>
-              </a:lnSpc>
-              <a:buNone/>
-            </a:pPr>
             <a:r>
               <a:rPr lang="en-US" sz="1350" dirty="0">
                 <a:solidFill>
@@ -2073,12 +1807,6 @@
               </a:rPr>
               <a:t>Rating Distribution:</a:t>
             </a:r>
-            <a:pPr indent="0" marL="0">
-              <a:lnSpc>
-                <a:spcPts val="3240"/>
-              </a:lnSpc>
-              <a:buNone/>
-            </a:pPr>
             <a:r>
               <a:rPr lang="en-US" sz="1350" dirty="0">
                 <a:solidFill>
@@ -2111,12 +1839,6 @@
               </a:rPr>
               <a:t>Average Revenue by Genre:</a:t>
             </a:r>
-            <a:pPr indent="0" marL="0">
-              <a:lnSpc>
-                <a:spcPts val="3240"/>
-              </a:lnSpc>
-              <a:buNone/>
-            </a:pPr>
             <a:r>
               <a:rPr lang="en-US" sz="1350" dirty="0">
                 <a:solidFill>
@@ -2149,12 +1871,6 @@
               </a:rPr>
               <a:t>System Screenshots:</a:t>
             </a:r>
-            <a:pPr indent="0" marL="0">
-              <a:lnSpc>
-                <a:spcPts val="3240"/>
-              </a:lnSpc>
-              <a:buNone/>
-            </a:pPr>
             <a:r>
               <a:rPr lang="en-US" sz="1350" dirty="0">
                 <a:solidFill>
@@ -2184,7 +1900,7 @@
     <p:bg>
       <p:bgPr>
         <a:blipFill dpi="0" rotWithShape="1">
-          <a:blip r:embed="rId1">
+          <a:blip r:embed="rId3">
             <a:lum/>
           </a:blip>
           <a:srcRect/>
@@ -2236,7 +1952,7 @@
           </a:bodyPr>
           <a:lstStyle/>
           <a:p>
-            <a:pPr indent="0" marL="0">
+            <a:pPr marL="0" indent="0">
               <a:buNone/>
             </a:pPr>
             <a:endParaRPr lang="en-US" dirty="0"/>
@@ -2264,7 +1980,7 @@
           <a:bodyPr wrap="square" lIns="0" tIns="0" rIns="0" bIns="0" rtlCol="0" anchor="t"/>
           <a:lstStyle/>
           <a:p>
-            <a:pPr indent="0" marL="0">
+            <a:pPr marL="0" indent="0">
               <a:lnSpc>
                 <a:spcPts val="4320"/>
               </a:lnSpc>
@@ -2426,7 +2142,7 @@
     <p:bg>
       <p:bgPr>
         <a:blipFill dpi="0" rotWithShape="1">
-          <a:blip r:embed="rId1">
+          <a:blip r:embed="rId3">
             <a:lum/>
           </a:blip>
           <a:srcRect/>
@@ -2478,7 +2194,7 @@
           </a:bodyPr>
           <a:lstStyle/>
           <a:p>
-            <a:pPr indent="0" marL="0">
+            <a:pPr marL="0" indent="0">
               <a:buNone/>
             </a:pPr>
             <a:endParaRPr lang="en-US" dirty="0"/>
@@ -2506,7 +2222,7 @@
           <a:bodyPr wrap="square" lIns="0" tIns="0" rIns="0" bIns="0" rtlCol="0" anchor="t"/>
           <a:lstStyle/>
           <a:p>
-            <a:pPr indent="0" marL="0">
+            <a:pPr marL="0" indent="0">
               <a:lnSpc>
                 <a:spcPts val="4320"/>
               </a:lnSpc>
@@ -2566,12 +2282,6 @@
               </a:rPr>
               <a:t>Shape:</a:t>
             </a:r>
-            <a:pPr indent="0" marL="0">
-              <a:lnSpc>
-                <a:spcPts val="3240"/>
-              </a:lnSpc>
-              <a:buNone/>
-            </a:pPr>
             <a:r>
               <a:rPr lang="en-US" sz="1350" dirty="0">
                 <a:solidFill>
@@ -2604,12 +2314,6 @@
               </a:rPr>
               <a:t>Numerical Variables:</a:t>
             </a:r>
-            <a:pPr indent="0" marL="0">
-              <a:lnSpc>
-                <a:spcPts val="3240"/>
-              </a:lnSpc>
-              <a:buNone/>
-            </a:pPr>
             <a:r>
               <a:rPr lang="en-US" sz="1350" dirty="0">
                 <a:solidFill>
@@ -2642,12 +2346,6 @@
               </a:rPr>
               <a:t>Categorical Variables:</a:t>
             </a:r>
-            <a:pPr indent="0" marL="0">
-              <a:lnSpc>
-                <a:spcPts val="3240"/>
-              </a:lnSpc>
-              <a:buNone/>
-            </a:pPr>
             <a:r>
               <a:rPr lang="en-US" sz="1350" dirty="0">
                 <a:solidFill>
@@ -2680,12 +2378,6 @@
               </a:rPr>
               <a:t>Average Budget:</a:t>
             </a:r>
-            <a:pPr indent="0" marL="0">
-              <a:lnSpc>
-                <a:spcPts val="3240"/>
-              </a:lnSpc>
-              <a:buNone/>
-            </a:pPr>
             <a:r>
               <a:rPr lang="en-US" sz="1350" dirty="0">
                 <a:solidFill>
@@ -2718,12 +2410,6 @@
               </a:rPr>
               <a:t>Average Revenue:</a:t>
             </a:r>
-            <a:pPr indent="0" marL="0">
-              <a:lnSpc>
-                <a:spcPts val="3240"/>
-              </a:lnSpc>
-              <a:buNone/>
-            </a:pPr>
             <a:r>
               <a:rPr lang="en-US" sz="1350" dirty="0">
                 <a:solidFill>
@@ -2756,12 +2442,6 @@
               </a:rPr>
               <a:t>Average Rating:</a:t>
             </a:r>
-            <a:pPr indent="0" marL="0">
-              <a:lnSpc>
-                <a:spcPts val="3240"/>
-              </a:lnSpc>
-              <a:buNone/>
-            </a:pPr>
             <a:r>
               <a:rPr lang="en-US" sz="1350" dirty="0">
                 <a:solidFill>
@@ -2791,7 +2471,7 @@
     <p:bg>
       <p:bgPr>
         <a:blipFill dpi="0" rotWithShape="1">
-          <a:blip r:embed="rId1">
+          <a:blip r:embed="rId3">
             <a:lum/>
           </a:blip>
           <a:srcRect/>
@@ -2843,7 +2523,7 @@
           </a:bodyPr>
           <a:lstStyle/>
           <a:p>
-            <a:pPr indent="0" marL="0">
+            <a:pPr marL="0" indent="0">
               <a:buNone/>
             </a:pPr>
             <a:endParaRPr lang="en-US" dirty="0"/>
@@ -2871,7 +2551,7 @@
           <a:bodyPr wrap="square" lIns="0" tIns="0" rIns="0" bIns="0" rtlCol="0" anchor="t"/>
           <a:lstStyle/>
           <a:p>
-            <a:pPr indent="0" marL="0">
+            <a:pPr marL="0" indent="0">
               <a:lnSpc>
                 <a:spcPts val="4320"/>
               </a:lnSpc>
@@ -2931,12 +2611,6 @@
               </a:rPr>
               <a:t>Completeness:</a:t>
             </a:r>
-            <a:pPr indent="0" marL="0">
-              <a:lnSpc>
-                <a:spcPts val="3240"/>
-              </a:lnSpc>
-              <a:buNone/>
-            </a:pPr>
             <a:r>
               <a:rPr lang="en-US" sz="1350" dirty="0">
                 <a:solidFill>
@@ -2969,12 +2643,6 @@
               </a:rPr>
               <a:t>Duplicates:</a:t>
             </a:r>
-            <a:pPr indent="0" marL="0">
-              <a:lnSpc>
-                <a:spcPts val="3240"/>
-              </a:lnSpc>
-              <a:buNone/>
-            </a:pPr>
             <a:r>
               <a:rPr lang="en-US" sz="1350" dirty="0">
                 <a:solidFill>
@@ -3007,12 +2675,6 @@
               </a:rPr>
               <a:t>Outliers:</a:t>
             </a:r>
-            <a:pPr indent="0" marL="0">
-              <a:lnSpc>
-                <a:spcPts val="3240"/>
-              </a:lnSpc>
-              <a:buNone/>
-            </a:pPr>
             <a:r>
               <a:rPr lang="en-US" sz="1350" dirty="0">
                 <a:solidFill>
@@ -3045,12 +2707,6 @@
               </a:rPr>
               <a:t>Ratings:</a:t>
             </a:r>
-            <a:pPr indent="0" marL="0">
-              <a:lnSpc>
-                <a:spcPts val="3240"/>
-              </a:lnSpc>
-              <a:buNone/>
-            </a:pPr>
             <a:r>
               <a:rPr lang="en-US" sz="1350" dirty="0">
                 <a:solidFill>
@@ -3083,12 +2739,6 @@
               </a:rPr>
               <a:t>Data Type:</a:t>
             </a:r>
-            <a:pPr indent="0" marL="0">
-              <a:lnSpc>
-                <a:spcPts val="3240"/>
-              </a:lnSpc>
-              <a:buNone/>
-            </a:pPr>
             <a:r>
               <a:rPr lang="en-US" sz="1350" dirty="0">
                 <a:solidFill>
@@ -3098,7 +2748,18 @@
                 <a:ea typeface="Arial" pitchFamily="34" charset="-122"/>
                 <a:cs typeface="Arial" pitchFamily="34" charset="-120"/>
               </a:rPr>
-              <a:t> Original dataset, created by analysis author</a:t>
+              <a:t> Original dataset, created </a:t>
+            </a:r>
+            <a:r>
+              <a:rPr lang="en-US" sz="1350" dirty="0" smtClean="0">
+                <a:solidFill>
+                  <a:srgbClr val="475569"/>
+                </a:solidFill>
+                <a:latin typeface="Arial" pitchFamily="34" charset="0"/>
+                <a:ea typeface="Arial" pitchFamily="34" charset="-122"/>
+                <a:cs typeface="Arial" pitchFamily="34" charset="-120"/>
+              </a:rPr>
+              <a:t>by Kunal Bhandari</a:t>
             </a:r>
             <a:endParaRPr lang="en-US" sz="1350" dirty="0"/>
           </a:p>
@@ -3118,7 +2779,7 @@
     <p:bg>
       <p:bgPr>
         <a:blipFill dpi="0" rotWithShape="1">
-          <a:blip r:embed="rId1">
+          <a:blip r:embed="rId3">
             <a:lum/>
           </a:blip>
           <a:srcRect/>
@@ -3170,7 +2831,7 @@
           </a:bodyPr>
           <a:lstStyle/>
           <a:p>
-            <a:pPr indent="0" marL="0">
+            <a:pPr marL="0" indent="0">
               <a:buNone/>
             </a:pPr>
             <a:endParaRPr lang="en-US" dirty="0"/>
@@ -3198,7 +2859,7 @@
           <a:bodyPr wrap="square" lIns="0" tIns="0" rIns="0" bIns="0" rtlCol="0" anchor="t"/>
           <a:lstStyle/>
           <a:p>
-            <a:pPr indent="0" marL="0">
+            <a:pPr marL="0" indent="0">
               <a:lnSpc>
                 <a:spcPts val="4320"/>
               </a:lnSpc>
@@ -3258,12 +2919,6 @@
               </a:rPr>
               <a:t>Genre Popularity:</a:t>
             </a:r>
-            <a:pPr indent="0" marL="0">
-              <a:lnSpc>
-                <a:spcPts val="3240"/>
-              </a:lnSpc>
-              <a:buNone/>
-            </a:pPr>
             <a:r>
               <a:rPr lang="en-US" sz="1350" dirty="0">
                 <a:solidFill>
@@ -3296,12 +2951,6 @@
               </a:rPr>
               <a:t>Budget vs Revenue:</a:t>
             </a:r>
-            <a:pPr indent="0" marL="0">
-              <a:lnSpc>
-                <a:spcPts val="3240"/>
-              </a:lnSpc>
-              <a:buNone/>
-            </a:pPr>
             <a:r>
               <a:rPr lang="en-US" sz="1350" dirty="0">
                 <a:solidFill>
@@ -3334,12 +2983,6 @@
               </a:rPr>
               <a:t>Rating Distribution:</a:t>
             </a:r>
-            <a:pPr indent="0" marL="0">
-              <a:lnSpc>
-                <a:spcPts val="3240"/>
-              </a:lnSpc>
-              <a:buNone/>
-            </a:pPr>
             <a:r>
               <a:rPr lang="en-US" sz="1350" dirty="0">
                 <a:solidFill>
@@ -3372,12 +3015,6 @@
               </a:rPr>
               <a:t>Average Revenue by Genre:</a:t>
             </a:r>
-            <a:pPr indent="0" marL="0">
-              <a:lnSpc>
-                <a:spcPts val="3240"/>
-              </a:lnSpc>
-              <a:buNone/>
-            </a:pPr>
             <a:r>
               <a:rPr lang="en-US" sz="1350" dirty="0">
                 <a:solidFill>
@@ -3410,12 +3047,6 @@
               </a:rPr>
               <a:t>Key Finding:</a:t>
             </a:r>
-            <a:pPr indent="0" marL="0">
-              <a:lnSpc>
-                <a:spcPts val="3240"/>
-              </a:lnSpc>
-              <a:buNone/>
-            </a:pPr>
             <a:r>
               <a:rPr lang="en-US" sz="1350" dirty="0">
                 <a:solidFill>
@@ -3445,7 +3076,7 @@
     <p:bg>
       <p:bgPr>
         <a:blipFill dpi="0" rotWithShape="1">
-          <a:blip r:embed="rId1">
+          <a:blip r:embed="rId3">
             <a:lum/>
           </a:blip>
           <a:srcRect/>
@@ -3478,7 +3109,7 @@
         </p:nvSpPr>
         <p:spPr>
           <a:xfrm>
-            <a:off x="609600" y="609600"/>
+            <a:off x="609600" y="616178"/>
             <a:ext cx="7924800" cy="3924300"/>
           </a:xfrm>
           <a:prstGeom prst="rect">
@@ -3497,7 +3128,7 @@
           </a:bodyPr>
           <a:lstStyle/>
           <a:p>
-            <a:pPr indent="0" marL="0">
+            <a:pPr marL="0" indent="0">
               <a:buNone/>
             </a:pPr>
             <a:endParaRPr lang="en-US" dirty="0"/>
@@ -3525,7 +3156,7 @@
           <a:bodyPr wrap="square" lIns="0" tIns="0" rIns="0" bIns="0" rtlCol="0" anchor="t"/>
           <a:lstStyle/>
           <a:p>
-            <a:pPr indent="0" marL="0">
+            <a:pPr marL="0" indent="0">
               <a:lnSpc>
                 <a:spcPts val="4320"/>
               </a:lnSpc>
@@ -3585,12 +3216,6 @@
               </a:rPr>
               <a:t>Encoding:</a:t>
             </a:r>
-            <a:pPr indent="0" marL="0">
-              <a:lnSpc>
-                <a:spcPts val="3240"/>
-              </a:lnSpc>
-              <a:buNone/>
-            </a:pPr>
             <a:r>
               <a:rPr lang="en-US" sz="1350" dirty="0">
                 <a:solidFill>
@@ -3623,12 +3248,6 @@
               </a:rPr>
               <a:t>Derived Features:</a:t>
             </a:r>
-            <a:pPr indent="0" marL="0">
-              <a:lnSpc>
-                <a:spcPts val="3240"/>
-              </a:lnSpc>
-              <a:buNone/>
-            </a:pPr>
             <a:r>
               <a:rPr lang="en-US" sz="1350" dirty="0">
                 <a:solidFill>
@@ -3661,12 +3280,6 @@
               </a:rPr>
               <a:t>Binning:</a:t>
             </a:r>
-            <a:pPr indent="0" marL="0">
-              <a:lnSpc>
-                <a:spcPts val="3240"/>
-              </a:lnSpc>
-              <a:buNone/>
-            </a:pPr>
             <a:r>
               <a:rPr lang="en-US" sz="1350" dirty="0">
                 <a:solidFill>
@@ -3699,12 +3312,6 @@
               </a:rPr>
               <a:t>Data Preparation:</a:t>
             </a:r>
-            <a:pPr indent="0" marL="0">
-              <a:lnSpc>
-                <a:spcPts val="3240"/>
-              </a:lnSpc>
-              <a:buNone/>
-            </a:pPr>
             <a:r>
               <a:rPr lang="en-US" sz="1350" dirty="0">
                 <a:solidFill>
@@ -3737,12 +3344,6 @@
               </a:rPr>
               <a:t>Redundancy Check:</a:t>
             </a:r>
-            <a:pPr indent="0" marL="0">
-              <a:lnSpc>
-                <a:spcPts val="3240"/>
-              </a:lnSpc>
-              <a:buNone/>
-            </a:pPr>
             <a:r>
               <a:rPr lang="en-US" sz="1350" dirty="0">
                 <a:solidFill>
@@ -3772,7 +3373,7 @@
     <p:bg>
       <p:bgPr>
         <a:blipFill dpi="0" rotWithShape="1">
-          <a:blip r:embed="rId1">
+          <a:blip r:embed="rId3">
             <a:lum/>
           </a:blip>
           <a:srcRect/>
@@ -3824,7 +3425,7 @@
           </a:bodyPr>
           <a:lstStyle/>
           <a:p>
-            <a:pPr indent="0" marL="0">
+            <a:pPr marL="0" indent="0">
               <a:buNone/>
             </a:pPr>
             <a:endParaRPr lang="en-US" dirty="0"/>
@@ -3852,7 +3453,7 @@
           <a:bodyPr wrap="square" lIns="0" tIns="0" rIns="0" bIns="0" rtlCol="0" anchor="t"/>
           <a:lstStyle/>
           <a:p>
-            <a:pPr indent="0" marL="0">
+            <a:pPr marL="0" indent="0">
               <a:lnSpc>
                 <a:spcPts val="4320"/>
               </a:lnSpc>
@@ -4014,7 +3615,7 @@
     <p:bg>
       <p:bgPr>
         <a:blipFill dpi="0" rotWithShape="1">
-          <a:blip r:embed="rId1">
+          <a:blip r:embed="rId3">
             <a:lum/>
           </a:blip>
           <a:srcRect/>
@@ -4066,7 +3667,7 @@
           </a:bodyPr>
           <a:lstStyle/>
           <a:p>
-            <a:pPr indent="0" marL="0">
+            <a:pPr marL="0" indent="0">
               <a:buNone/>
             </a:pPr>
             <a:endParaRPr lang="en-US" dirty="0"/>
@@ -4094,7 +3695,7 @@
           <a:bodyPr wrap="square" lIns="0" tIns="0" rIns="0" bIns="0" rtlCol="0" anchor="t"/>
           <a:lstStyle/>
           <a:p>
-            <a:pPr indent="0" marL="0">
+            <a:pPr marL="0" indent="0">
               <a:lnSpc>
                 <a:spcPts val="4320"/>
               </a:lnSpc>
@@ -4236,9 +3837,55 @@
                 <a:ea typeface="Arial" pitchFamily="34" charset="-122"/>
                 <a:cs typeface="Arial" pitchFamily="34" charset="-120"/>
               </a:rPr>
-              <a:t>GitHub Repository: Python-Data-Science project</a:t>
-            </a:r>
-            <a:endParaRPr lang="en-US" sz="1350" dirty="0"/>
+              <a:t>GitHub </a:t>
+            </a:r>
+            <a:r>
+              <a:rPr lang="en-US" sz="1350" dirty="0">
+                <a:solidFill>
+                  <a:srgbClr val="475569"/>
+                </a:solidFill>
+                <a:latin typeface="Arial" pitchFamily="34" charset="0"/>
+                <a:ea typeface="Arial" pitchFamily="34" charset="-122"/>
+                <a:cs typeface="Arial" pitchFamily="34" charset="-120"/>
+              </a:rPr>
+              <a:t>Repository</a:t>
+            </a:r>
+            <a:r>
+              <a:rPr lang="en-US" sz="1350" dirty="0" smtClean="0">
+                <a:solidFill>
+                  <a:srgbClr val="475569"/>
+                </a:solidFill>
+                <a:latin typeface="Arial" pitchFamily="34" charset="0"/>
+                <a:ea typeface="Arial" pitchFamily="34" charset="-122"/>
+                <a:cs typeface="Arial" pitchFamily="34" charset="-120"/>
+              </a:rPr>
+              <a:t>: </a:t>
+            </a:r>
+            <a:r>
+              <a:rPr lang="en-US" sz="800" u="sng" dirty="0" smtClean="0">
+                <a:solidFill>
+                  <a:srgbClr val="475569"/>
+                </a:solidFill>
+                <a:latin typeface="Arial" pitchFamily="34" charset="0"/>
+                <a:ea typeface="Arial" pitchFamily="34" charset="-122"/>
+                <a:cs typeface="Arial" pitchFamily="34" charset="-120"/>
+                <a:hlinkClick r:id="rId4" action="ppaction://hlinkfile"/>
+              </a:rPr>
+              <a:t>https</a:t>
+            </a:r>
+            <a:r>
+              <a:rPr lang="en-US" sz="800" u="sng" dirty="0">
+                <a:solidFill>
+                  <a:srgbClr val="475569"/>
+                </a:solidFill>
+                <a:latin typeface="Arial" pitchFamily="34" charset="0"/>
+                <a:ea typeface="Arial" pitchFamily="34" charset="-122"/>
+                <a:cs typeface="Arial" pitchFamily="34" charset="-120"/>
+                <a:hlinkClick r:id="rId4" action="ppaction://hlinkfile"/>
+              </a:rPr>
+              <a:t>://github.com/Anyonomous1/Python-Data-Science/blob/main/Movie_DataScience_Project.ipynb</a:t>
+            </a:r>
+            <a:endParaRPr lang="en-US" sz="800" u="sng" dirty="0"/>
           </a:p>
         </p:txBody>
       </p:sp>
@@ -4256,7 +3903,7 @@
     <p:bg>
       <p:bgPr>
         <a:blipFill dpi="0" rotWithShape="1">
-          <a:blip r:embed="rId1">
+          <a:blip r:embed="rId3">
             <a:lum/>
           </a:blip>
           <a:srcRect/>
@@ -4289,7 +3936,7 @@
         </p:nvSpPr>
         <p:spPr>
           <a:xfrm>
-            <a:off x="609600" y="609600"/>
+            <a:off x="1524000" y="491188"/>
             <a:ext cx="7924800" cy="3924300"/>
           </a:xfrm>
           <a:prstGeom prst="rect">
@@ -4308,7 +3955,7 @@
           </a:bodyPr>
           <a:lstStyle/>
           <a:p>
-            <a:pPr indent="0" marL="0">
+            <a:pPr marL="0" indent="0">
               <a:buNone/>
             </a:pPr>
             <a:endParaRPr lang="en-US" dirty="0"/>
@@ -4336,7 +3983,7 @@
           <a:bodyPr wrap="square" lIns="0" tIns="0" rIns="0" bIns="0" rtlCol="0" anchor="t"/>
           <a:lstStyle/>
           <a:p>
-            <a:pPr algn="ctr" indent="0" marL="0">
+            <a:pPr marL="0" indent="0" algn="ctr">
               <a:lnSpc>
                 <a:spcPts val="4320"/>
               </a:lnSpc>
@@ -4378,7 +4025,7 @@
           <a:bodyPr wrap="square" lIns="0" tIns="0" rIns="0" bIns="0" rtlCol="0" anchor="t"/>
           <a:lstStyle/>
           <a:p>
-            <a:pPr algn="ctr" indent="0" marL="0">
+            <a:pPr marL="0" indent="0" algn="ctr">
               <a:lnSpc>
                 <a:spcPts val="2520"/>
               </a:lnSpc>
@@ -4420,7 +4067,7 @@
           <a:bodyPr wrap="square" lIns="0" tIns="0" rIns="0" bIns="0" rtlCol="0" anchor="t"/>
           <a:lstStyle/>
           <a:p>
-            <a:pPr algn="ctr" marL="342900" indent="-342900">
+            <a:pPr marL="342900" indent="-342900" algn="ctr">
               <a:lnSpc>
                 <a:spcPts val="2880"/>
               </a:lnSpc>
@@ -4441,7 +4088,7 @@
             <a:endParaRPr lang="en-US" sz="1200" dirty="0"/>
           </a:p>
           <a:p>
-            <a:pPr algn="ctr" marL="342900" indent="-342900">
+            <a:pPr marL="342900" indent="-342900" algn="ctr">
               <a:lnSpc>
                 <a:spcPts val="2880"/>
               </a:lnSpc>
@@ -4462,7 +4109,7 @@
             <a:endParaRPr lang="en-US" sz="1200" dirty="0"/>
           </a:p>
           <a:p>
-            <a:pPr algn="ctr" marL="342900" indent="-342900">
+            <a:pPr marL="342900" indent="-342900" algn="ctr">
               <a:lnSpc>
                 <a:spcPts val="2880"/>
               </a:lnSpc>
@@ -4483,7 +4130,7 @@
             <a:endParaRPr lang="en-US" sz="1200" dirty="0"/>
           </a:p>
           <a:p>
-            <a:pPr algn="ctr" marL="342900" indent="-342900">
+            <a:pPr marL="342900" indent="-342900" algn="ctr">
               <a:lnSpc>
                 <a:spcPts val="2880"/>
               </a:lnSpc>
@@ -4806,4 +4453,265 @@
     </a:ext>
   </a:extLst>
 </a:theme>
+</file>
+
+<file path=ppt/theme/theme2.xml><?xml version="1.0" encoding="utf-8"?>
+<a:theme xmlns:a="http://schemas.openxmlformats.org/drawingml/2006/main" name="Office Theme">
+  <a:themeElements>
+    <a:clrScheme name="Office">
+      <a:dk1>
+        <a:sysClr val="windowText" lastClr="000000"/>
+      </a:dk1>
+      <a:lt1>
+        <a:sysClr val="window" lastClr="FFFFFF"/>
+      </a:lt1>
+      <a:dk2>
+        <a:srgbClr val="44546A"/>
+      </a:dk2>
+      <a:lt2>
+        <a:srgbClr val="E7E6E6"/>
+      </a:lt2>
+      <a:accent1>
+        <a:srgbClr val="5B9BD5"/>
+      </a:accent1>
+      <a:accent2>
+        <a:srgbClr val="ED7D31"/>
+      </a:accent2>
+      <a:accent3>
+        <a:srgbClr val="A5A5A5"/>
+      </a:accent3>
+      <a:accent4>
+        <a:srgbClr val="FFC000"/>
+      </a:accent4>
+      <a:accent5>
+        <a:srgbClr val="4472C4"/>
+      </a:accent5>
+      <a:accent6>
+        <a:srgbClr val="70AD47"/>
+      </a:accent6>
+      <a:hlink>
+        <a:srgbClr val="0563C1"/>
+      </a:hlink>
+      <a:folHlink>
+        <a:srgbClr val="954F72"/>
+      </a:folHlink>
+    </a:clrScheme>
+    <a:fontScheme name="Office">
+      <a:majorFont>
+        <a:latin typeface="Calibri Light" panose="020F0302020204030204"/>
+        <a:ea typeface=""/>
+        <a:cs typeface=""/>
+        <a:font script="Jpan" typeface="ＭＳ Ｐゴシック"/>
+        <a:font script="Hang" typeface="맑은 고딕"/>
+        <a:font script="Hans" typeface="宋体"/>
+        <a:font script="Hant" typeface="新細明體"/>
+        <a:font script="Arab" typeface="Times New Roman"/>
+        <a:font script="Hebr" typeface="Times New Roman"/>
+        <a:font script="Thai" typeface="Angsana New"/>
+        <a:font script="Ethi" typeface="Nyala"/>
+        <a:font script="Beng" typeface="Vrinda"/>
+        <a:font script="Gujr" typeface="Shruti"/>
+        <a:font script="Khmr" typeface="MoolBoran"/>
+        <a:font script="Knda" typeface="Tunga"/>
+        <a:font script="Guru" typeface="Raavi"/>
+        <a:font script="Cans" typeface="Euphemia"/>
+        <a:font script="Cher" typeface="Plantagenet Cherokee"/>
+        <a:font script="Yiii" typeface="Microsoft Yi Baiti"/>
+        <a:font script="Tibt" typeface="Microsoft Himalaya"/>
+        <a:font script="Thaa" typeface="MV Boli"/>
+        <a:font script="Deva" typeface="Mangal"/>
+        <a:font script="Telu" typeface="Gautami"/>
+        <a:font script="Taml" typeface="Latha"/>
+        <a:font script="Syrc" typeface="Estrangelo Edessa"/>
+        <a:font script="Orya" typeface="Kalinga"/>
+        <a:font script="Mlym" typeface="Kartika"/>
+        <a:font script="Laoo" typeface="DokChampa"/>
+        <a:font script="Sinh" typeface="Iskoola Pota"/>
+        <a:font script="Mong" typeface="Mongolian Baiti"/>
+        <a:font script="Viet" typeface="Times New Roman"/>
+        <a:font script="Uigh" typeface="Microsoft Uighur"/>
+        <a:font script="Geor" typeface="Sylfaen"/>
+      </a:majorFont>
+      <a:minorFont>
+        <a:latin typeface="Calibri" panose="020F0502020204030204"/>
+        <a:ea typeface=""/>
+        <a:cs typeface=""/>
+        <a:font script="Jpan" typeface="ＭＳ Ｐゴシック"/>
+        <a:font script="Hang" typeface="맑은 고딕"/>
+        <a:font script="Hans" typeface="宋体"/>
+        <a:font script="Hant" typeface="新細明體"/>
+        <a:font script="Arab" typeface="Arial"/>
+        <a:font script="Hebr" typeface="Arial"/>
+        <a:font script="Thai" typeface="Cordia New"/>
+        <a:font script="Ethi" typeface="Nyala"/>
+        <a:font script="Beng" typeface="Vrinda"/>
+        <a:font script="Gujr" typeface="Shruti"/>
+        <a:font script="Khmr" typeface="DaunPenh"/>
+        <a:font script="Knda" typeface="Tunga"/>
+        <a:font script="Guru" typeface="Raavi"/>
+        <a:font script="Cans" typeface="Euphemia"/>
+        <a:font script="Cher" typeface="Plantagenet Cherokee"/>
+        <a:font script="Yiii" typeface="Microsoft Yi Baiti"/>
+        <a:font script="Tibt" typeface="Microsoft Himalaya"/>
+        <a:font script="Thaa" typeface="MV Boli"/>
+        <a:font script="Deva" typeface="Mangal"/>
+        <a:font script="Telu" typeface="Gautami"/>
+        <a:font script="Taml" typeface="Latha"/>
+        <a:font script="Syrc" typeface="Estrangelo Edessa"/>
+        <a:font script="Orya" typeface="Kalinga"/>
+        <a:font script="Mlym" typeface="Kartika"/>
+        <a:font script="Laoo" typeface="DokChampa"/>
+        <a:font script="Sinh" typeface="Iskoola Pota"/>
+        <a:font script="Mong" typeface="Mongolian Baiti"/>
+        <a:font script="Viet" typeface="Arial"/>
+        <a:font script="Uigh" typeface="Microsoft Uighur"/>
+        <a:font script="Geor" typeface="Sylfaen"/>
+      </a:minorFont>
+    </a:fontScheme>
+    <a:fmtScheme name="Office">
+      <a:fillStyleLst>
+        <a:solidFill>
+          <a:schemeClr val="phClr"/>
+        </a:solidFill>
+        <a:gradFill rotWithShape="1">
+          <a:gsLst>
+            <a:gs pos="0">
+              <a:schemeClr val="phClr">
+                <a:lumMod val="110000"/>
+                <a:satMod val="105000"/>
+                <a:tint val="67000"/>
+              </a:schemeClr>
+            </a:gs>
+            <a:gs pos="50000">
+              <a:schemeClr val="phClr">
+                <a:lumMod val="105000"/>
+                <a:satMod val="103000"/>
+                <a:tint val="73000"/>
+              </a:schemeClr>
+            </a:gs>
+            <a:gs pos="100000">
+              <a:schemeClr val="phClr">
+                <a:lumMod val="105000"/>
+                <a:satMod val="109000"/>
+                <a:tint val="81000"/>
+              </a:schemeClr>
+            </a:gs>
+          </a:gsLst>
+          <a:lin ang="5400000" scaled="0"/>
+        </a:gradFill>
+        <a:gradFill rotWithShape="1">
+          <a:gsLst>
+            <a:gs pos="0">
+              <a:schemeClr val="phClr">
+                <a:satMod val="103000"/>
+                <a:lumMod val="102000"/>
+                <a:tint val="94000"/>
+              </a:schemeClr>
+            </a:gs>
+            <a:gs pos="50000">
+              <a:schemeClr val="phClr">
+                <a:satMod val="110000"/>
+                <a:lumMod val="100000"/>
+                <a:shade val="100000"/>
+              </a:schemeClr>
+            </a:gs>
+            <a:gs pos="100000">
+              <a:schemeClr val="phClr">
+                <a:lumMod val="99000"/>
+                <a:satMod val="120000"/>
+                <a:shade val="78000"/>
+              </a:schemeClr>
+            </a:gs>
+          </a:gsLst>
+          <a:lin ang="5400000" scaled="0"/>
+        </a:gradFill>
+      </a:fillStyleLst>
+      <a:lnStyleLst>
+        <a:ln w="6350" cap="flat" cmpd="sng" algn="ctr">
+          <a:solidFill>
+            <a:schemeClr val="phClr"/>
+          </a:solidFill>
+          <a:prstDash val="solid"/>
+          <a:miter lim="800000"/>
+        </a:ln>
+        <a:ln w="12700" cap="flat" cmpd="sng" algn="ctr">
+          <a:solidFill>
+            <a:schemeClr val="phClr"/>
+          </a:solidFill>
+          <a:prstDash val="solid"/>
+          <a:miter lim="800000"/>
+        </a:ln>
+        <a:ln w="19050" cap="flat" cmpd="sng" algn="ctr">
+          <a:solidFill>
+            <a:schemeClr val="phClr"/>
+          </a:solidFill>
+          <a:prstDash val="solid"/>
+          <a:miter lim="800000"/>
+        </a:ln>
+      </a:lnStyleLst>
+      <a:effectStyleLst>
+        <a:effectStyle>
+          <a:effectLst/>
+        </a:effectStyle>
+        <a:effectStyle>
+          <a:effectLst/>
+        </a:effectStyle>
+        <a:effectStyle>
+          <a:effectLst>
+            <a:outerShdw blurRad="57150" dist="19050" dir="5400000" algn="ctr" rotWithShape="0">
+              <a:srgbClr val="000000">
+                <a:alpha val="63000"/>
+              </a:srgbClr>
+            </a:outerShdw>
+          </a:effectLst>
+        </a:effectStyle>
+      </a:effectStyleLst>
+      <a:bgFillStyleLst>
+        <a:solidFill>
+          <a:schemeClr val="phClr"/>
+        </a:solidFill>
+        <a:solidFill>
+          <a:schemeClr val="phClr">
+            <a:tint val="95000"/>
+            <a:satMod val="170000"/>
+          </a:schemeClr>
+        </a:solidFill>
+        <a:gradFill rotWithShape="1">
+          <a:gsLst>
+            <a:gs pos="0">
+              <a:schemeClr val="phClr">
+                <a:tint val="93000"/>
+                <a:satMod val="150000"/>
+                <a:shade val="98000"/>
+                <a:lumMod val="102000"/>
+              </a:schemeClr>
+            </a:gs>
+            <a:gs pos="50000">
+              <a:schemeClr val="phClr">
+                <a:tint val="98000"/>
+                <a:satMod val="130000"/>
+                <a:shade val="90000"/>
+                <a:lumMod val="103000"/>
+              </a:schemeClr>
+            </a:gs>
+            <a:gs pos="100000">
+              <a:schemeClr val="phClr">
+                <a:shade val="63000"/>
+                <a:satMod val="120000"/>
+              </a:schemeClr>
+            </a:gs>
+          </a:gsLst>
+          <a:lin ang="5400000" scaled="0"/>
+        </a:gradFill>
+      </a:bgFillStyleLst>
+    </a:fmtScheme>
+  </a:themeElements>
+  <a:objectDefaults/>
+  <a:extraClrSchemeLst/>
+  <a:extLst>
+    <a:ext uri="{05A4C25C-085E-4340-85A3-A5531E510DB2}">
+      <thm15:themeFamily xmlns:thm15="http://schemas.microsoft.com/office/thememl/2012/main" name="Office Theme" id="{62F939B6-93AF-4DB8-9C6B-D6C7DFDC589F}" vid="{4A3C46E8-61CC-4603-A589-7422A47A8E4A}"/>
+    </a:ext>
+  </a:extLst>
+</a:theme>
 </file>